--- a/07_06_22_day2_dynamical_time_series/slides/day2_practical.pptx
+++ b/07_06_22_day2_dynamical_time_series/slides/day2_practical.pptx
@@ -5,7 +5,7 @@
     <p:sldMasterId id="2147483648" r:id="rId1"/>
   </p:sldMasterIdLst>
   <p:sldIdLst>
-    <p:sldId id="256" r:id="rId2"/>
+    <p:sldId id="282" r:id="rId2"/>
     <p:sldId id="259" r:id="rId3"/>
     <p:sldId id="262" r:id="rId4"/>
     <p:sldId id="264" r:id="rId5"/>
@@ -25,11 +25,9 @@
     <p:sldId id="276" r:id="rId19"/>
     <p:sldId id="277" r:id="rId20"/>
     <p:sldId id="278" r:id="rId21"/>
-    <p:sldId id="279" r:id="rId22"/>
-    <p:sldId id="280" r:id="rId23"/>
-    <p:sldId id="281" r:id="rId24"/>
-    <p:sldId id="258" r:id="rId25"/>
-    <p:sldId id="257" r:id="rId26"/>
+    <p:sldId id="280" r:id="rId22"/>
+    <p:sldId id="281" r:id="rId23"/>
+    <p:sldId id="258" r:id="rId24"/>
   </p:sldIdLst>
   <p:sldSz cx="12192000" cy="6858000"/>
   <p:notesSz cx="6858000" cy="9144000"/>
@@ -2974,7 +2972,13 @@
       </p:grpSpPr>
       <p:sp>
         <p:nvSpPr>
-          <p:cNvPr id="2" name="Title 1"/>
+          <p:cNvPr id="2" name="Title 1">
+            <a:extLst>
+              <a:ext uri="{FF2B5EF4-FFF2-40B4-BE49-F238E27FC236}">
+                <a16:creationId xmlns:a16="http://schemas.microsoft.com/office/drawing/2014/main" id="{62500E42-7C4E-ADA4-CE29-19F2992CF9BF}"/>
+              </a:ext>
+            </a:extLst>
+          </p:cNvPr>
           <p:cNvSpPr>
             <a:spLocks noGrp="1"/>
           </p:cNvSpPr>
@@ -2984,21 +2988,25 @@
         </p:nvSpPr>
         <p:spPr/>
         <p:txBody>
-          <a:bodyPr>
-            <a:normAutofit/>
-          </a:bodyPr>
+          <a:bodyPr/>
           <a:lstStyle/>
           <a:p>
             <a:r>
-              <a:rPr lang="en-US" sz="4000" dirty="0"/>
-              <a:t>Generalized linear models of neural activity</a:t>
+              <a:rPr lang="en-US" dirty="0"/>
+              <a:t>Fitting generalized linear models to neural data</a:t>
             </a:r>
           </a:p>
         </p:txBody>
       </p:sp>
       <p:sp>
         <p:nvSpPr>
-          <p:cNvPr id="4" name="Subtitle 3"/>
+          <p:cNvPr id="3" name="Subtitle 2">
+            <a:extLst>
+              <a:ext uri="{FF2B5EF4-FFF2-40B4-BE49-F238E27FC236}">
+                <a16:creationId xmlns:a16="http://schemas.microsoft.com/office/drawing/2014/main" id="{E9207496-CBD2-4CC1-2078-ABC9D37D45E8}"/>
+              </a:ext>
+            </a:extLst>
+          </p:cNvPr>
           <p:cNvSpPr>
             <a:spLocks noGrp="1"/>
           </p:cNvSpPr>
@@ -3013,13 +3021,28 @@
           <a:p>
             <a:r>
               <a:rPr lang="en-US" dirty="0"/>
-              <a:t>Bi23: Methods in Neural Data Analysis</a:t>
+              <a:t>Caltech </a:t>
+            </a:r>
+            <a:r>
+              <a:rPr lang="en-US" dirty="0" err="1"/>
+              <a:t>DataSAI</a:t>
+            </a:r>
+            <a:endParaRPr lang="en-US" dirty="0"/>
+          </a:p>
+          <a:p>
+            <a:r>
+              <a:rPr lang="en-US" dirty="0"/>
+              <a:t>Ann Kennedy</a:t>
             </a:r>
           </a:p>
           <a:p>
             <a:r>
+              <a:rPr lang="en-US"/>
+              <a:t>July 6, </a:t>
+            </a:r>
+            <a:r>
               <a:rPr lang="en-US" dirty="0"/>
-              <a:t>2/1/2019</a:t>
+              <a:t>2022</a:t>
             </a:r>
           </a:p>
         </p:txBody>
@@ -3027,7 +3050,7 @@
     </p:spTree>
     <p:extLst>
       <p:ext uri="{BB962C8B-B14F-4D97-AF65-F5344CB8AC3E}">
-        <p14:creationId xmlns:p14="http://schemas.microsoft.com/office/powerpoint/2010/main" val="3491984517"/>
+        <p14:creationId xmlns:p14="http://schemas.microsoft.com/office/powerpoint/2010/main" val="3005173197"/>
       </p:ext>
     </p:extLst>
   </p:cSld>
@@ -10485,13 +10508,13 @@
         <p:grpSpPr>
           <a:xfrm>
             <a:off x="7667438" y="2470089"/>
-            <a:ext cx="3646760" cy="2695173"/>
+            <a:ext cx="3496077" cy="2695173"/>
             <a:chOff x="7667438" y="2470089"/>
-            <a:chExt cx="3646760" cy="2695173"/>
+            <a:chExt cx="3496077" cy="2695173"/>
           </a:xfrm>
         </p:grpSpPr>
-        <mc:AlternateContent xmlns:mc="http://schemas.openxmlformats.org/markup-compatibility/2006" xmlns:a14="http://schemas.microsoft.com/office/drawing/2010/main">
-          <mc:Choice Requires="a14">
+        <mc:AlternateContent xmlns:mc="http://schemas.openxmlformats.org/markup-compatibility/2006">
+          <mc:Choice xmlns:a14="http://schemas.microsoft.com/office/drawing/2010/main" Requires="a14">
             <p:sp>
               <p:nvSpPr>
                 <p:cNvPr id="4" name="TextBox 3"/>
@@ -10501,7 +10524,7 @@
               <p:spPr>
                 <a:xfrm>
                   <a:off x="8974903" y="4180117"/>
-                  <a:ext cx="2339295" cy="369332"/>
+                  <a:ext cx="2188612" cy="369332"/>
                 </a:xfrm>
                 <a:prstGeom prst="rect">
                   <a:avLst/>
@@ -10567,13 +10590,13 @@
                         <a:srgbClr val="FF0000"/>
                       </a:solidFill>
                     </a:rPr>
-                    <a:t>) !!</a:t>
+                    <a:t>)</a:t>
                   </a:r>
                 </a:p>
               </p:txBody>
             </p:sp>
           </mc:Choice>
-          <mc:Fallback xmlns="">
+          <mc:Fallback>
             <p:sp>
               <p:nvSpPr>
                 <p:cNvPr id="4" name="TextBox 3"/>
@@ -10585,7 +10608,7 @@
               <p:spPr>
                 <a:xfrm>
                   <a:off x="8974903" y="4180117"/>
-                  <a:ext cx="2339295" cy="369332"/>
+                  <a:ext cx="2188612" cy="369332"/>
                 </a:xfrm>
                 <a:prstGeom prst="rect">
                   <a:avLst/>
@@ -10593,7 +10616,7 @@
                 <a:blipFill>
                   <a:blip r:embed="rId3"/>
                   <a:stretch>
-                    <a:fillRect l="-2083" t="-10000" r="-1302" b="-26667"/>
+                    <a:fillRect l="-2228" t="-10000" b="-26667"/>
                   </a:stretch>
                 </a:blipFill>
               </p:spPr>
@@ -15000,8 +15023,8 @@
           </p:sp>
         </mc:Fallback>
       </mc:AlternateContent>
-      <mc:AlternateContent xmlns:mc="http://schemas.openxmlformats.org/markup-compatibility/2006" xmlns:a14="http://schemas.microsoft.com/office/drawing/2010/main">
-        <mc:Choice Requires="a14">
+      <mc:AlternateContent xmlns:mc="http://schemas.openxmlformats.org/markup-compatibility/2006">
+        <mc:Choice xmlns:a14="http://schemas.microsoft.com/office/drawing/2010/main" Requires="a14">
           <p:sp>
             <p:nvSpPr>
               <p:cNvPr id="4" name="TextBox 3"/>
@@ -15107,7 +15130,7 @@
                   <a:rPr lang="en-US" dirty="0">
                     <a:latin typeface="Myriad Pro" panose="020B0503030403020204" pitchFamily="34" charset="0"/>
                   </a:rPr>
-                  <a:t> 	the “stimulus likelihood function”- the stimulus for which the observed spikes are 		most probable</a:t>
+                  <a:t> 	the “stimulus likelihood function”- the stimulus for which the observed 			spikes are most probable</a:t>
                 </a:r>
               </a:p>
               <a:p>
@@ -15118,7 +15141,7 @@
             </p:txBody>
           </p:sp>
         </mc:Choice>
-        <mc:Fallback xmlns="">
+        <mc:Fallback>
           <p:sp>
             <p:nvSpPr>
               <p:cNvPr id="4" name="TextBox 3"/>
@@ -15138,7 +15161,7 @@
               <a:blipFill>
                 <a:blip r:embed="rId4"/>
                 <a:stretch>
-                  <a:fillRect l="-565" t="-1502" r="-753"/>
+                  <a:fillRect l="-565" t="-1502"/>
                 </a:stretch>
               </a:blipFill>
             </p:spPr>
@@ -21714,317 +21737,6 @@
           <a:chExt cx="0" cy="0"/>
         </a:xfrm>
       </p:grpSpPr>
-      <p:sp>
-        <p:nvSpPr>
-          <p:cNvPr id="3" name="TextBox 2"/>
-          <p:cNvSpPr txBox="1"/>
-          <p:nvPr/>
-        </p:nvSpPr>
-        <p:spPr>
-          <a:xfrm>
-            <a:off x="182880" y="211437"/>
-            <a:ext cx="11269980" cy="461665"/>
-          </a:xfrm>
-          <a:prstGeom prst="rect">
-            <a:avLst/>
-          </a:prstGeom>
-          <a:noFill/>
-        </p:spPr>
-        <p:txBody>
-          <a:bodyPr wrap="square" rtlCol="0">
-            <a:spAutoFit/>
-          </a:bodyPr>
-          <a:lstStyle/>
-          <a:p>
-            <a:r>
-              <a:rPr lang="en-US" sz="2400" b="1" dirty="0">
-                <a:latin typeface="Myriad Pro" panose="020B0503030403020204" pitchFamily="34" charset="0"/>
-              </a:rPr>
-              <a:t>How does this compare to the STAs we computed last week?</a:t>
-            </a:r>
-          </a:p>
-        </p:txBody>
-      </p:sp>
-      <p:grpSp>
-        <p:nvGrpSpPr>
-          <p:cNvPr id="12" name="Group 11"/>
-          <p:cNvGrpSpPr/>
-          <p:nvPr/>
-        </p:nvGrpSpPr>
-        <p:grpSpPr>
-          <a:xfrm>
-            <a:off x="886370" y="1591123"/>
-            <a:ext cx="5410472" cy="1965827"/>
-            <a:chOff x="886370" y="1591123"/>
-            <a:chExt cx="5410472" cy="1965827"/>
-          </a:xfrm>
-        </p:grpSpPr>
-        <p:pic>
-          <p:nvPicPr>
-            <p:cNvPr id="15" name="Picture 14"/>
-            <p:cNvPicPr>
-              <a:picLocks noChangeAspect="1"/>
-            </p:cNvPicPr>
-            <p:nvPr/>
-          </p:nvPicPr>
-          <p:blipFill rotWithShape="1">
-            <a:blip r:embed="rId2"/>
-            <a:srcRect b="51710"/>
-            <a:stretch/>
-          </p:blipFill>
-          <p:spPr>
-            <a:xfrm>
-              <a:off x="886370" y="2193800"/>
-              <a:ext cx="5410472" cy="1363150"/>
-            </a:xfrm>
-            <a:prstGeom prst="rect">
-              <a:avLst/>
-            </a:prstGeom>
-          </p:spPr>
-        </p:pic>
-        <p:sp>
-          <p:nvSpPr>
-            <p:cNvPr id="8" name="TextBox 7"/>
-            <p:cNvSpPr txBox="1"/>
-            <p:nvPr/>
-          </p:nvSpPr>
-          <p:spPr>
-            <a:xfrm>
-              <a:off x="2099478" y="1591123"/>
-              <a:ext cx="2817053" cy="369332"/>
-            </a:xfrm>
-            <a:prstGeom prst="rect">
-              <a:avLst/>
-            </a:prstGeom>
-            <a:noFill/>
-          </p:spPr>
-          <p:txBody>
-            <a:bodyPr wrap="none" rtlCol="0">
-              <a:spAutoFit/>
-            </a:bodyPr>
-            <a:lstStyle/>
-            <a:p>
-              <a:pPr algn="ctr"/>
-              <a:r>
-                <a:rPr lang="en-US" b="1" dirty="0">
-                  <a:latin typeface="Myriad Pro" panose="020B0503030403020204" pitchFamily="34" charset="0"/>
-                </a:rPr>
-                <a:t>Generalized Linear Model</a:t>
-              </a:r>
-            </a:p>
-          </p:txBody>
-        </p:sp>
-      </p:grpSp>
-      <p:grpSp>
-        <p:nvGrpSpPr>
-          <p:cNvPr id="10" name="Group 9"/>
-          <p:cNvGrpSpPr/>
-          <p:nvPr/>
-        </p:nvGrpSpPr>
-        <p:grpSpPr>
-          <a:xfrm>
-            <a:off x="7542167" y="1591123"/>
-            <a:ext cx="2554060" cy="1965827"/>
-            <a:chOff x="7542167" y="1591123"/>
-            <a:chExt cx="2554060" cy="1965827"/>
-          </a:xfrm>
-        </p:grpSpPr>
-        <p:grpSp>
-          <p:nvGrpSpPr>
-            <p:cNvPr id="6" name="Group 5"/>
-            <p:cNvGrpSpPr/>
-            <p:nvPr/>
-          </p:nvGrpSpPr>
-          <p:grpSpPr>
-            <a:xfrm>
-              <a:off x="7542167" y="2193800"/>
-              <a:ext cx="2554060" cy="1363150"/>
-              <a:chOff x="5817870" y="1775789"/>
-              <a:chExt cx="2554060" cy="1363150"/>
-            </a:xfrm>
-          </p:grpSpPr>
-          <p:pic>
-            <p:nvPicPr>
-              <p:cNvPr id="14" name="Picture 13"/>
-              <p:cNvPicPr>
-                <a:picLocks noChangeAspect="1"/>
-              </p:cNvPicPr>
-              <p:nvPr/>
-            </p:nvPicPr>
-            <p:blipFill rotWithShape="1">
-              <a:blip r:embed="rId2"/>
-              <a:srcRect r="65243" b="51710"/>
-              <a:stretch/>
-            </p:blipFill>
-            <p:spPr>
-              <a:xfrm>
-                <a:off x="5817870" y="1775789"/>
-                <a:ext cx="1880507" cy="1363150"/>
-              </a:xfrm>
-              <a:prstGeom prst="rect">
-                <a:avLst/>
-              </a:prstGeom>
-            </p:spPr>
-          </p:pic>
-          <p:pic>
-            <p:nvPicPr>
-              <p:cNvPr id="16" name="Picture 15"/>
-              <p:cNvPicPr>
-                <a:picLocks noChangeAspect="1"/>
-              </p:cNvPicPr>
-              <p:nvPr/>
-            </p:nvPicPr>
-            <p:blipFill rotWithShape="1">
-              <a:blip r:embed="rId2"/>
-              <a:srcRect l="85780" b="51710"/>
-              <a:stretch/>
-            </p:blipFill>
-            <p:spPr>
-              <a:xfrm>
-                <a:off x="7602582" y="1775789"/>
-                <a:ext cx="769348" cy="1363150"/>
-              </a:xfrm>
-              <a:prstGeom prst="rect">
-                <a:avLst/>
-              </a:prstGeom>
-            </p:spPr>
-          </p:pic>
-        </p:grpSp>
-        <p:sp>
-          <p:nvSpPr>
-            <p:cNvPr id="19" name="TextBox 18"/>
-            <p:cNvSpPr txBox="1"/>
-            <p:nvPr/>
-          </p:nvSpPr>
-          <p:spPr>
-            <a:xfrm>
-              <a:off x="7767908" y="1591123"/>
-              <a:ext cx="2130776" cy="369332"/>
-            </a:xfrm>
-            <a:prstGeom prst="rect">
-              <a:avLst/>
-            </a:prstGeom>
-            <a:noFill/>
-          </p:spPr>
-          <p:txBody>
-            <a:bodyPr wrap="none" rtlCol="0">
-              <a:spAutoFit/>
-            </a:bodyPr>
-            <a:lstStyle/>
-            <a:p>
-              <a:pPr algn="ctr"/>
-              <a:r>
-                <a:rPr lang="en-US" b="1" dirty="0">
-                  <a:latin typeface="Myriad Pro" panose="020B0503030403020204" pitchFamily="34" charset="0"/>
-                </a:rPr>
-                <a:t>Linear “STA” Model</a:t>
-              </a:r>
-            </a:p>
-          </p:txBody>
-        </p:sp>
-      </p:grpSp>
-      <p:grpSp>
-        <p:nvGrpSpPr>
-          <p:cNvPr id="23" name="Group 22"/>
-          <p:cNvGrpSpPr/>
-          <p:nvPr/>
-        </p:nvGrpSpPr>
-        <p:grpSpPr>
-          <a:xfrm>
-            <a:off x="9326879" y="2769325"/>
-            <a:ext cx="1631506" cy="3446281"/>
-            <a:chOff x="9326879" y="2769325"/>
-            <a:chExt cx="1631506" cy="3446281"/>
-          </a:xfrm>
-        </p:grpSpPr>
-        <p:pic>
-          <p:nvPicPr>
-            <p:cNvPr id="20" name="Picture 19"/>
-            <p:cNvPicPr>
-              <a:picLocks noChangeAspect="1"/>
-            </p:cNvPicPr>
-            <p:nvPr/>
-          </p:nvPicPr>
-          <p:blipFill>
-            <a:blip r:embed="rId3"/>
-            <a:stretch>
-              <a:fillRect/>
-            </a:stretch>
-          </p:blipFill>
-          <p:spPr>
-            <a:xfrm>
-              <a:off x="10377613" y="2769325"/>
-              <a:ext cx="580772" cy="3446281"/>
-            </a:xfrm>
-            <a:prstGeom prst="rect">
-              <a:avLst/>
-            </a:prstGeom>
-          </p:spPr>
-        </p:pic>
-        <p:cxnSp>
-          <p:nvCxnSpPr>
-            <p:cNvPr id="22" name="Straight Arrow Connector 21"/>
-            <p:cNvCxnSpPr/>
-            <p:nvPr/>
-          </p:nvCxnSpPr>
-          <p:spPr>
-            <a:xfrm flipH="1" flipV="1">
-              <a:off x="9326879" y="3013166"/>
-              <a:ext cx="1018904" cy="731520"/>
-            </a:xfrm>
-            <a:prstGeom prst="straightConnector1">
-              <a:avLst/>
-            </a:prstGeom>
-            <a:ln>
-              <a:tailEnd type="triangle"/>
-            </a:ln>
-          </p:spPr>
-          <p:style>
-            <a:lnRef idx="1">
-              <a:schemeClr val="dk1"/>
-            </a:lnRef>
-            <a:fillRef idx="0">
-              <a:schemeClr val="dk1"/>
-            </a:fillRef>
-            <a:effectRef idx="0">
-              <a:schemeClr val="dk1"/>
-            </a:effectRef>
-            <a:fontRef idx="minor">
-              <a:schemeClr val="tx1"/>
-            </a:fontRef>
-          </p:style>
-        </p:cxnSp>
-      </p:grpSp>
-    </p:spTree>
-    <p:extLst>
-      <p:ext uri="{BB962C8B-B14F-4D97-AF65-F5344CB8AC3E}">
-        <p14:creationId xmlns:p14="http://schemas.microsoft.com/office/powerpoint/2010/main" val="2789557748"/>
-      </p:ext>
-    </p:extLst>
-  </p:cSld>
-  <p:clrMapOvr>
-    <a:masterClrMapping/>
-  </p:clrMapOvr>
-</p:sld>
-</file>
-
-<file path=ppt/slides/slide22.xml><?xml version="1.0" encoding="utf-8"?>
-<p:sld xmlns:a="http://schemas.openxmlformats.org/drawingml/2006/main" xmlns:r="http://schemas.openxmlformats.org/officeDocument/2006/relationships" xmlns:p="http://schemas.openxmlformats.org/presentationml/2006/main">
-  <p:cSld>
-    <p:spTree>
-      <p:nvGrpSpPr>
-        <p:cNvPr id="1" name=""/>
-        <p:cNvGrpSpPr/>
-        <p:nvPr/>
-      </p:nvGrpSpPr>
-      <p:grpSpPr>
-        <a:xfrm>
-          <a:off x="0" y="0"/>
-          <a:ext cx="0" cy="0"/>
-          <a:chOff x="0" y="0"/>
-          <a:chExt cx="0" cy="0"/>
-        </a:xfrm>
-      </p:grpSpPr>
       <p:pic>
         <p:nvPicPr>
           <p:cNvPr id="2" name="Picture 1"/>
@@ -22093,7 +21805,7 @@
 </p:sld>
 </file>
 
-<file path=ppt/slides/slide23.xml><?xml version="1.0" encoding="utf-8"?>
+<file path=ppt/slides/slide22.xml><?xml version="1.0" encoding="utf-8"?>
 <p:sld xmlns:a="http://schemas.openxmlformats.org/drawingml/2006/main" xmlns:r="http://schemas.openxmlformats.org/officeDocument/2006/relationships" xmlns:p="http://schemas.openxmlformats.org/presentationml/2006/main">
   <p:cSld>
     <p:spTree>
@@ -22178,7 +21890,7 @@
 </p:sld>
 </file>
 
-<file path=ppt/slides/slide24.xml><?xml version="1.0" encoding="utf-8"?>
+<file path=ppt/slides/slide23.xml><?xml version="1.0" encoding="utf-8"?>
 <p:sld xmlns:a="http://schemas.openxmlformats.org/drawingml/2006/main" xmlns:r="http://schemas.openxmlformats.org/officeDocument/2006/relationships" xmlns:p="http://schemas.openxmlformats.org/presentationml/2006/main">
   <p:cSld>
     <p:spTree>
@@ -22362,167 +22074,6 @@
     <p:extLst>
       <p:ext uri="{BB962C8B-B14F-4D97-AF65-F5344CB8AC3E}">
         <p14:creationId xmlns:p14="http://schemas.microsoft.com/office/powerpoint/2010/main" val="1134713017"/>
-      </p:ext>
-    </p:extLst>
-  </p:cSld>
-  <p:clrMapOvr>
-    <a:masterClrMapping/>
-  </p:clrMapOvr>
-</p:sld>
-</file>
-
-<file path=ppt/slides/slide25.xml><?xml version="1.0" encoding="utf-8"?>
-<p:sld xmlns:a="http://schemas.openxmlformats.org/drawingml/2006/main" xmlns:r="http://schemas.openxmlformats.org/officeDocument/2006/relationships" xmlns:p="http://schemas.openxmlformats.org/presentationml/2006/main">
-  <p:cSld>
-    <p:spTree>
-      <p:nvGrpSpPr>
-        <p:cNvPr id="1" name=""/>
-        <p:cNvGrpSpPr/>
-        <p:nvPr/>
-      </p:nvGrpSpPr>
-      <p:grpSpPr>
-        <a:xfrm>
-          <a:off x="0" y="0"/>
-          <a:ext cx="0" cy="0"/>
-          <a:chOff x="0" y="0"/>
-          <a:chExt cx="0" cy="0"/>
-        </a:xfrm>
-      </p:grpSpPr>
-      <p:sp>
-        <p:nvSpPr>
-          <p:cNvPr id="2" name="TextBox 1"/>
-          <p:cNvSpPr txBox="1"/>
-          <p:nvPr/>
-        </p:nvSpPr>
-        <p:spPr>
-          <a:xfrm>
-            <a:off x="714103" y="766354"/>
-            <a:ext cx="6270171" cy="2585323"/>
-          </a:xfrm>
-          <a:prstGeom prst="rect">
-            <a:avLst/>
-          </a:prstGeom>
-          <a:noFill/>
-        </p:spPr>
-        <p:txBody>
-          <a:bodyPr wrap="square" rtlCol="0">
-            <a:spAutoFit/>
-          </a:bodyPr>
-          <a:lstStyle/>
-          <a:p>
-            <a:pPr marL="285750" indent="-285750">
-              <a:buFontTx/>
-              <a:buChar char="-"/>
-            </a:pPr>
-            <a:r>
-              <a:rPr lang="en-US" dirty="0">
-                <a:latin typeface="Myriad Pro" panose="020B0503030403020204" pitchFamily="34" charset="0"/>
-              </a:rPr>
-              <a:t>Encoding models- recap from last module</a:t>
-            </a:r>
-          </a:p>
-          <a:p>
-            <a:pPr marL="742950" lvl="1" indent="-285750">
-              <a:buFontTx/>
-              <a:buChar char="-"/>
-            </a:pPr>
-            <a:r>
-              <a:rPr lang="en-US" dirty="0">
-                <a:latin typeface="Myriad Pro" panose="020B0503030403020204" pitchFamily="34" charset="0"/>
-              </a:rPr>
-              <a:t>Linear regression models as an example</a:t>
-            </a:r>
-          </a:p>
-          <a:p>
-            <a:pPr marL="285750" indent="-285750">
-              <a:buFontTx/>
-              <a:buChar char="-"/>
-            </a:pPr>
-            <a:r>
-              <a:rPr lang="en-US" dirty="0">
-                <a:latin typeface="Myriad Pro" panose="020B0503030403020204" pitchFamily="34" charset="0"/>
-              </a:rPr>
-              <a:t>Point processes</a:t>
-            </a:r>
-          </a:p>
-          <a:p>
-            <a:pPr marL="285750" indent="-285750">
-              <a:buFontTx/>
-              <a:buChar char="-"/>
-            </a:pPr>
-            <a:r>
-              <a:rPr lang="en-US" dirty="0">
-                <a:latin typeface="Myriad Pro" panose="020B0503030403020204" pitchFamily="34" charset="0"/>
-              </a:rPr>
-              <a:t>Neural spiking as an inhomogeneous Poisson process</a:t>
-            </a:r>
-          </a:p>
-          <a:p>
-            <a:pPr marL="742950" lvl="1" indent="-285750">
-              <a:buFontTx/>
-              <a:buChar char="-"/>
-            </a:pPr>
-            <a:r>
-              <a:rPr lang="en-US" dirty="0">
-                <a:latin typeface="Myriad Pro" panose="020B0503030403020204" pitchFamily="34" charset="0"/>
-              </a:rPr>
-              <a:t>Why this is helpful for model-fitting</a:t>
-            </a:r>
-          </a:p>
-          <a:p>
-            <a:pPr marL="285750" indent="-285750">
-              <a:buFontTx/>
-              <a:buChar char="-"/>
-            </a:pPr>
-            <a:r>
-              <a:rPr lang="en-US" dirty="0">
-                <a:latin typeface="Myriad Pro" panose="020B0503030403020204" pitchFamily="34" charset="0"/>
-              </a:rPr>
-              <a:t>How models are fit</a:t>
-            </a:r>
-          </a:p>
-          <a:p>
-            <a:pPr marL="285750" indent="-285750">
-              <a:buFontTx/>
-              <a:buChar char="-"/>
-            </a:pPr>
-            <a:r>
-              <a:rPr lang="en-US" dirty="0">
-                <a:latin typeface="Myriad Pro" panose="020B0503030403020204" pitchFamily="34" charset="0"/>
-              </a:rPr>
-              <a:t>Evaluating goodness of fit</a:t>
-            </a:r>
-          </a:p>
-          <a:p>
-            <a:pPr marL="285750" indent="-285750">
-              <a:buFontTx/>
-              <a:buChar char="-"/>
-            </a:pPr>
-            <a:r>
-              <a:rPr lang="en-US" dirty="0">
-                <a:latin typeface="Myriad Pro" panose="020B0503030403020204" pitchFamily="34" charset="0"/>
-              </a:rPr>
-              <a:t>Types of linking functions</a:t>
-            </a:r>
-          </a:p>
-          <a:p>
-            <a:pPr marL="285750" indent="-285750">
-              <a:buFontTx/>
-              <a:buChar char="-"/>
-            </a:pPr>
-            <a:r>
-              <a:rPr lang="en-US" dirty="0">
-                <a:latin typeface="Myriad Pro" panose="020B0503030403020204" pitchFamily="34" charset="0"/>
-              </a:rPr>
-              <a:t>Adding spike-history term</a:t>
-            </a:r>
-          </a:p>
-        </p:txBody>
-      </p:sp>
-    </p:spTree>
-    <p:extLst>
-      <p:ext uri="{BB962C8B-B14F-4D97-AF65-F5344CB8AC3E}">
-        <p14:creationId xmlns:p14="http://schemas.microsoft.com/office/powerpoint/2010/main" val="2791899339"/>
       </p:ext>
     </p:extLst>
   </p:cSld>
